--- a/trinh bay de cuong.pptx
+++ b/trinh bay de cuong.pptx
@@ -11606,14 +11606,14 @@
             <p:ph idx="1"/>
             <p:extLst>
               <p:ext uri="{D42A27DB-BD31-4B8C-83A1-F6EECF244321}">
-                <p14:modId xmlns:p14="http://schemas.microsoft.com/office/powerpoint/2010/main" val="612497395"/>
+                <p14:modId xmlns:p14="http://schemas.microsoft.com/office/powerpoint/2010/main" val="59997126"/>
               </p:ext>
             </p:extLst>
           </p:nvPr>
         </p:nvGraphicFramePr>
         <p:xfrm>
-          <a:off x="2414725" y="2425934"/>
-          <a:ext cx="5877017" cy="2225040"/>
+          <a:off x="2589212" y="1905000"/>
+          <a:ext cx="7619999" cy="2828364"/>
         </p:xfrm>
         <a:graphic>
           <a:graphicData uri="http://schemas.openxmlformats.org/drawingml/2006/table">
@@ -11622,14 +11622,14 @@
                 <a:tableStyleId>{5C22544A-7EE6-4342-B048-85BDC9FD1C3A}</a:tableStyleId>
               </a:tblPr>
               <a:tblGrid>
-                <a:gridCol w="3382749">
+                <a:gridCol w="4385991">
                   <a:extLst>
                     <a:ext uri="{9D8B030D-6E8A-4147-A177-3AD203B41FA5}">
                       <a16:colId xmlns:a16="http://schemas.microsoft.com/office/drawing/2014/main" val="1126997067"/>
                     </a:ext>
                   </a:extLst>
                 </a:gridCol>
-                <a:gridCol w="2494268">
+                <a:gridCol w="3234008">
                   <a:extLst>
                     <a:ext uri="{9D8B030D-6E8A-4147-A177-3AD203B41FA5}">
                       <a16:colId xmlns:a16="http://schemas.microsoft.com/office/drawing/2014/main" val="1986288187"/>
@@ -11637,25 +11637,25 @@
                   </a:extLst>
                 </a:gridCol>
               </a:tblGrid>
-              <a:tr h="370840">
+              <a:tr h="471394">
                 <a:tc>
                   <a:txBody>
                     <a:bodyPr/>
                     <a:lstStyle/>
                     <a:p>
                       <a:r>
-                        <a:rPr lang="en-US" err="1"/>
+                        <a:rPr lang="en-US" dirty="0" err="1"/>
                         <a:t>Loại</a:t>
                       </a:r>
                       <a:r>
-                        <a:rPr lang="en-US"/>
+                        <a:rPr lang="en-US" dirty="0"/>
                         <a:t> </a:t>
                       </a:r>
                       <a:r>
-                        <a:rPr lang="en-US" err="1"/>
+                        <a:rPr lang="en-US" dirty="0" err="1"/>
                         <a:t>thẻ</a:t>
                       </a:r>
-                      <a:endParaRPr lang="en-US"/>
+                      <a:endParaRPr lang="en-US" dirty="0"/>
                     </a:p>
                   </a:txBody>
                   <a:tcPr/>
@@ -11688,7 +11688,7 @@
                   </a:ext>
                 </a:extLst>
               </a:tr>
-              <a:tr h="370840">
+              <a:tr h="471394">
                 <a:tc>
                   <a:txBody>
                     <a:bodyPr/>
@@ -11903,7 +11903,7 @@
                   </a:ext>
                 </a:extLst>
               </a:tr>
-              <a:tr h="370840">
+              <a:tr h="471394">
                 <a:tc>
                   <a:txBody>
                     <a:bodyPr/>
@@ -12082,7 +12082,7 @@
                   </a:ext>
                 </a:extLst>
               </a:tr>
-              <a:tr h="370840">
+              <a:tr h="471394">
                 <a:tc>
                   <a:txBody>
                     <a:bodyPr/>
@@ -12270,7 +12270,7 @@
                   </a:ext>
                 </a:extLst>
               </a:tr>
-              <a:tr h="370840">
+              <a:tr h="471394">
                 <a:tc>
                   <a:txBody>
                     <a:bodyPr/>
@@ -12505,7 +12505,7 @@
                   </a:ext>
                 </a:extLst>
               </a:tr>
-              <a:tr h="370840">
+              <a:tr h="471394">
                 <a:tc>
                   <a:txBody>
                     <a:bodyPr/>
@@ -12526,14 +12526,94 @@
                         </a:tabLst>
                       </a:pPr>
                       <a:r>
-                        <a:rPr lang="en-US" sz="1400" kern="100">
+                        <a:rPr lang="en-US" sz="1400" kern="100" dirty="0">
                           <a:effectLst/>
                           <a:latin typeface="Times New Roman" panose="02020603050405020304" pitchFamily="18" charset="0"/>
                           <a:ea typeface="Times New Roman" panose="02020603050405020304" pitchFamily="18" charset="0"/>
                         </a:rPr>
-                        <a:t>      (Mức phí trên chưa bao gồm VAT)</a:t>
+                        <a:t>      (</a:t>
                       </a:r>
-                      <a:endParaRPr lang="en-US" sz="1200">
+                      <a:r>
+                        <a:rPr lang="en-US" sz="1400" kern="100" dirty="0" err="1">
+                          <a:effectLst/>
+                          <a:latin typeface="Times New Roman" panose="02020603050405020304" pitchFamily="18" charset="0"/>
+                          <a:ea typeface="Times New Roman" panose="02020603050405020304" pitchFamily="18" charset="0"/>
+                        </a:rPr>
+                        <a:t>Mức</a:t>
+                      </a:r>
+                      <a:r>
+                        <a:rPr lang="en-US" sz="1400" kern="100" dirty="0">
+                          <a:effectLst/>
+                          <a:latin typeface="Times New Roman" panose="02020603050405020304" pitchFamily="18" charset="0"/>
+                          <a:ea typeface="Times New Roman" panose="02020603050405020304" pitchFamily="18" charset="0"/>
+                        </a:rPr>
+                        <a:t> </a:t>
+                      </a:r>
+                      <a:r>
+                        <a:rPr lang="en-US" sz="1400" kern="100" dirty="0" err="1">
+                          <a:effectLst/>
+                          <a:latin typeface="Times New Roman" panose="02020603050405020304" pitchFamily="18" charset="0"/>
+                          <a:ea typeface="Times New Roman" panose="02020603050405020304" pitchFamily="18" charset="0"/>
+                        </a:rPr>
+                        <a:t>phí</a:t>
+                      </a:r>
+                      <a:r>
+                        <a:rPr lang="en-US" sz="1400" kern="100" dirty="0">
+                          <a:effectLst/>
+                          <a:latin typeface="Times New Roman" panose="02020603050405020304" pitchFamily="18" charset="0"/>
+                          <a:ea typeface="Times New Roman" panose="02020603050405020304" pitchFamily="18" charset="0"/>
+                        </a:rPr>
+                        <a:t> </a:t>
+                      </a:r>
+                      <a:r>
+                        <a:rPr lang="en-US" sz="1400" kern="100" dirty="0" err="1">
+                          <a:effectLst/>
+                          <a:latin typeface="Times New Roman" panose="02020603050405020304" pitchFamily="18" charset="0"/>
+                          <a:ea typeface="Times New Roman" panose="02020603050405020304" pitchFamily="18" charset="0"/>
+                        </a:rPr>
+                        <a:t>trên</a:t>
+                      </a:r>
+                      <a:r>
+                        <a:rPr lang="en-US" sz="1400" kern="100" dirty="0">
+                          <a:effectLst/>
+                          <a:latin typeface="Times New Roman" panose="02020603050405020304" pitchFamily="18" charset="0"/>
+                          <a:ea typeface="Times New Roman" panose="02020603050405020304" pitchFamily="18" charset="0"/>
+                        </a:rPr>
+                        <a:t> </a:t>
+                      </a:r>
+                      <a:r>
+                        <a:rPr lang="en-US" sz="1400" kern="100" dirty="0" err="1">
+                          <a:effectLst/>
+                          <a:latin typeface="Times New Roman" panose="02020603050405020304" pitchFamily="18" charset="0"/>
+                          <a:ea typeface="Times New Roman" panose="02020603050405020304" pitchFamily="18" charset="0"/>
+                        </a:rPr>
+                        <a:t>chưa</a:t>
+                      </a:r>
+                      <a:r>
+                        <a:rPr lang="en-US" sz="1400" kern="100" dirty="0">
+                          <a:effectLst/>
+                          <a:latin typeface="Times New Roman" panose="02020603050405020304" pitchFamily="18" charset="0"/>
+                          <a:ea typeface="Times New Roman" panose="02020603050405020304" pitchFamily="18" charset="0"/>
+                        </a:rPr>
+                        <a:t> bao </a:t>
+                      </a:r>
+                      <a:r>
+                        <a:rPr lang="en-US" sz="1400" kern="100" dirty="0" err="1">
+                          <a:effectLst/>
+                          <a:latin typeface="Times New Roman" panose="02020603050405020304" pitchFamily="18" charset="0"/>
+                          <a:ea typeface="Times New Roman" panose="02020603050405020304" pitchFamily="18" charset="0"/>
+                        </a:rPr>
+                        <a:t>gồm</a:t>
+                      </a:r>
+                      <a:r>
+                        <a:rPr lang="en-US" sz="1400" kern="100" dirty="0">
+                          <a:effectLst/>
+                          <a:latin typeface="Times New Roman" panose="02020603050405020304" pitchFamily="18" charset="0"/>
+                          <a:ea typeface="Times New Roman" panose="02020603050405020304" pitchFamily="18" charset="0"/>
+                        </a:rPr>
+                        <a:t> VAT)</a:t>
+                      </a:r>
+                      <a:endParaRPr lang="en-US" sz="1200" dirty="0">
                         <a:effectLst/>
                         <a:latin typeface="Times New Roman" panose="02020603050405020304" pitchFamily="18" charset="0"/>
                         <a:ea typeface="Times New Roman" panose="02020603050405020304" pitchFamily="18" charset="0"/>
@@ -12562,14 +12642,14 @@
                         </a:tabLst>
                       </a:pPr>
                       <a:r>
-                        <a:rPr lang="en-US" sz="1400" kern="100">
+                        <a:rPr lang="en-US" sz="1400" kern="100" dirty="0">
                           <a:effectLst/>
                           <a:latin typeface="Times New Roman" panose="02020603050405020304" pitchFamily="18" charset="0"/>
                           <a:ea typeface="Times New Roman" panose="02020603050405020304" pitchFamily="18" charset="0"/>
                         </a:rPr>
                         <a:t> </a:t>
                       </a:r>
-                      <a:endParaRPr lang="en-US" sz="1200">
+                      <a:endParaRPr lang="en-US" sz="1200" dirty="0">
                         <a:effectLst/>
                         <a:latin typeface="Times New Roman" panose="02020603050405020304" pitchFamily="18" charset="0"/>
                         <a:ea typeface="Times New Roman" panose="02020603050405020304" pitchFamily="18" charset="0"/>
@@ -12646,45 +12726,6 @@
           </a:p>
         </p:txBody>
       </p:sp>
-      <p:pic>
-        <p:nvPicPr>
-          <p:cNvPr id="7" name="Picture 6">
-            <a:extLst>
-              <a:ext uri="{FF2B5EF4-FFF2-40B4-BE49-F238E27FC236}">
-                <a16:creationId xmlns:a16="http://schemas.microsoft.com/office/drawing/2014/main" id="{8D74F6B7-473E-4E51-8BDB-750DBBBF533C}"/>
-              </a:ext>
-            </a:extLst>
-          </p:cNvPr>
-          <p:cNvPicPr/>
-          <p:nvPr/>
-        </p:nvPicPr>
-        <p:blipFill>
-          <a:blip r:embed="rId2">
-            <a:extLst>
-              <a:ext uri="{28A0092B-C50C-407E-A947-70E740481C1C}">
-                <a14:useLocalDpi xmlns:a14="http://schemas.microsoft.com/office/drawing/2010/main" val="0"/>
-              </a:ext>
-            </a:extLst>
-          </a:blip>
-          <a:srcRect/>
-          <a:stretch>
-            <a:fillRect/>
-          </a:stretch>
-        </p:blipFill>
-        <p:spPr bwMode="auto">
-          <a:xfrm>
-            <a:off x="8538359" y="2535389"/>
-            <a:ext cx="3341703" cy="2006131"/>
-          </a:xfrm>
-          <a:prstGeom prst="rect">
-            <a:avLst/>
-          </a:prstGeom>
-          <a:noFill/>
-          <a:ln>
-            <a:noFill/>
-          </a:ln>
-        </p:spPr>
-      </p:pic>
     </p:spTree>
     <p:extLst>
       <p:ext uri="{BB962C8B-B14F-4D97-AF65-F5344CB8AC3E}">
@@ -12750,88 +12791,6 @@
                                         </p:tgtEl>
                                       </p:cBhvr>
                                     </p:animEffect>
-                                  </p:childTnLst>
-                                </p:cTn>
-                              </p:par>
-                            </p:childTnLst>
-                          </p:cTn>
-                        </p:par>
-                        <p:par>
-                          <p:cTn id="8" fill="hold">
-                            <p:stCondLst>
-                              <p:cond delay="500"/>
-                            </p:stCondLst>
-                            <p:childTnLst>
-                              <p:par>
-                                <p:cTn id="9" presetID="2" presetClass="entr" presetSubtype="4" fill="hold" nodeType="afterEffect">
-                                  <p:stCondLst>
-                                    <p:cond delay="0"/>
-                                  </p:stCondLst>
-                                  <p:childTnLst>
-                                    <p:set>
-                                      <p:cBhvr>
-                                        <p:cTn id="10" dur="1" fill="hold">
-                                          <p:stCondLst>
-                                            <p:cond delay="0"/>
-                                          </p:stCondLst>
-                                        </p:cTn>
-                                        <p:tgtEl>
-                                          <p:spTgt spid="7"/>
-                                        </p:tgtEl>
-                                        <p:attrNameLst>
-                                          <p:attrName>style.visibility</p:attrName>
-                                        </p:attrNameLst>
-                                      </p:cBhvr>
-                                      <p:to>
-                                        <p:strVal val="visible"/>
-                                      </p:to>
-                                    </p:set>
-                                    <p:anim calcmode="lin" valueType="num">
-                                      <p:cBhvr additive="base">
-                                        <p:cTn id="11" dur="500" fill="hold"/>
-                                        <p:tgtEl>
-                                          <p:spTgt spid="7"/>
-                                        </p:tgtEl>
-                                        <p:attrNameLst>
-                                          <p:attrName>ppt_x</p:attrName>
-                                        </p:attrNameLst>
-                                      </p:cBhvr>
-                                      <p:tavLst>
-                                        <p:tav tm="0">
-                                          <p:val>
-                                            <p:strVal val="#ppt_x"/>
-                                          </p:val>
-                                        </p:tav>
-                                        <p:tav tm="100000">
-                                          <p:val>
-                                            <p:strVal val="#ppt_x"/>
-                                          </p:val>
-                                        </p:tav>
-                                      </p:tavLst>
-                                    </p:anim>
-                                    <p:anim calcmode="lin" valueType="num">
-                                      <p:cBhvr additive="base">
-                                        <p:cTn id="12" dur="500" fill="hold"/>
-                                        <p:tgtEl>
-                                          <p:spTgt spid="7"/>
-                                        </p:tgtEl>
-                                        <p:attrNameLst>
-                                          <p:attrName>ppt_y</p:attrName>
-                                        </p:attrNameLst>
-                                      </p:cBhvr>
-                                      <p:tavLst>
-                                        <p:tav tm="0">
-                                          <p:val>
-                                            <p:strVal val="1+#ppt_h/2"/>
-                                          </p:val>
-                                        </p:tav>
-                                        <p:tav tm="100000">
-                                          <p:val>
-                                            <p:strVal val="#ppt_y"/>
-                                          </p:val>
-                                        </p:tav>
-                                      </p:tavLst>
-                                    </p:anim>
                                   </p:childTnLst>
                                 </p:cTn>
                               </p:par>
@@ -15956,10 +15915,10 @@
       </p:sp>
       <p:pic>
         <p:nvPicPr>
-          <p:cNvPr id="6" name="Picture 5">
+          <p:cNvPr id="7" name="Picture 6">
             <a:extLst>
               <a:ext uri="{FF2B5EF4-FFF2-40B4-BE49-F238E27FC236}">
-                <a16:creationId xmlns:a16="http://schemas.microsoft.com/office/drawing/2014/main" id="{3E0F87E2-0991-4AE0-AD75-BE358E97B6CB}"/>
+                <a16:creationId xmlns:a16="http://schemas.microsoft.com/office/drawing/2014/main" id="{4C591A93-CD8C-4425-814D-AE6FAC8D378A}"/>
               </a:ext>
             </a:extLst>
           </p:cNvPr>
@@ -15981,13 +15940,16 @@
         </p:blipFill>
         <p:spPr bwMode="auto">
           <a:xfrm>
-            <a:off x="3684234" y="1905001"/>
-            <a:ext cx="6336652" cy="4230808"/>
+            <a:off x="2873937" y="1905000"/>
+            <a:ext cx="7050547" cy="4230808"/>
           </a:xfrm>
           <a:prstGeom prst="rect">
             <a:avLst/>
           </a:prstGeom>
           <a:noFill/>
+          <a:ln>
+            <a:noFill/>
+          </a:ln>
         </p:spPr>
       </p:pic>
     </p:spTree>
@@ -16000,6 +15962,130 @@
   <p:clrMapOvr>
     <a:masterClrMapping/>
   </p:clrMapOvr>
+  <p:timing>
+    <p:tnLst>
+      <p:par>
+        <p:cTn id="1" dur="indefinite" restart="never" nodeType="tmRoot">
+          <p:childTnLst>
+            <p:seq concurrent="1" nextAc="seek">
+              <p:cTn id="2" dur="indefinite" nodeType="mainSeq">
+                <p:childTnLst>
+                  <p:par>
+                    <p:cTn id="3" fill="hold">
+                      <p:stCondLst>
+                        <p:cond delay="indefinite"/>
+                        <p:cond evt="onBegin" delay="0">
+                          <p:tn val="2"/>
+                        </p:cond>
+                      </p:stCondLst>
+                      <p:childTnLst>
+                        <p:par>
+                          <p:cTn id="4" fill="hold">
+                            <p:stCondLst>
+                              <p:cond delay="0"/>
+                            </p:stCondLst>
+                            <p:childTnLst>
+                              <p:par>
+                                <p:cTn id="5" presetID="2" presetClass="entr" presetSubtype="4" fill="hold" nodeType="afterEffect">
+                                  <p:stCondLst>
+                                    <p:cond delay="0"/>
+                                  </p:stCondLst>
+                                  <p:childTnLst>
+                                    <p:set>
+                                      <p:cBhvr>
+                                        <p:cTn id="6" dur="1" fill="hold">
+                                          <p:stCondLst>
+                                            <p:cond delay="0"/>
+                                          </p:stCondLst>
+                                        </p:cTn>
+                                        <p:tgtEl>
+                                          <p:spTgt spid="7"/>
+                                        </p:tgtEl>
+                                        <p:attrNameLst>
+                                          <p:attrName>style.visibility</p:attrName>
+                                        </p:attrNameLst>
+                                      </p:cBhvr>
+                                      <p:to>
+                                        <p:strVal val="visible"/>
+                                      </p:to>
+                                    </p:set>
+                                    <p:anim calcmode="lin" valueType="num">
+                                      <p:cBhvr additive="base">
+                                        <p:cTn id="7" dur="500" fill="hold"/>
+                                        <p:tgtEl>
+                                          <p:spTgt spid="7"/>
+                                        </p:tgtEl>
+                                        <p:attrNameLst>
+                                          <p:attrName>ppt_x</p:attrName>
+                                        </p:attrNameLst>
+                                      </p:cBhvr>
+                                      <p:tavLst>
+                                        <p:tav tm="0">
+                                          <p:val>
+                                            <p:strVal val="#ppt_x"/>
+                                          </p:val>
+                                        </p:tav>
+                                        <p:tav tm="100000">
+                                          <p:val>
+                                            <p:strVal val="#ppt_x"/>
+                                          </p:val>
+                                        </p:tav>
+                                      </p:tavLst>
+                                    </p:anim>
+                                    <p:anim calcmode="lin" valueType="num">
+                                      <p:cBhvr additive="base">
+                                        <p:cTn id="8" dur="500" fill="hold"/>
+                                        <p:tgtEl>
+                                          <p:spTgt spid="7"/>
+                                        </p:tgtEl>
+                                        <p:attrNameLst>
+                                          <p:attrName>ppt_y</p:attrName>
+                                        </p:attrNameLst>
+                                      </p:cBhvr>
+                                      <p:tavLst>
+                                        <p:tav tm="0">
+                                          <p:val>
+                                            <p:strVal val="1+#ppt_h/2"/>
+                                          </p:val>
+                                        </p:tav>
+                                        <p:tav tm="100000">
+                                          <p:val>
+                                            <p:strVal val="#ppt_y"/>
+                                          </p:val>
+                                        </p:tav>
+                                      </p:tavLst>
+                                    </p:anim>
+                                  </p:childTnLst>
+                                </p:cTn>
+                              </p:par>
+                            </p:childTnLst>
+                          </p:cTn>
+                        </p:par>
+                      </p:childTnLst>
+                    </p:cTn>
+                  </p:par>
+                </p:childTnLst>
+              </p:cTn>
+              <p:prevCondLst>
+                <p:cond evt="onPrev" delay="0">
+                  <p:tgtEl>
+                    <p:sldTgt/>
+                  </p:tgtEl>
+                </p:cond>
+              </p:prevCondLst>
+              <p:nextCondLst>
+                <p:cond evt="onNext" delay="0">
+                  <p:tgtEl>
+                    <p:sldTgt/>
+                  </p:tgtEl>
+                </p:cond>
+              </p:nextCondLst>
+            </p:seq>
+          </p:childTnLst>
+        </p:cTn>
+      </p:par>
+    </p:tnLst>
+  </p:timing>
 </p:sld>
 </file>
 
